--- a/day-5/Using Kubernetes Day 5.pptx
+++ b/day-5/Using Kubernetes Day 5.pptx
@@ -247,7 +247,7 @@
           <a:p>
             <a:fld id="{3BB63FB7-4976-458F-92C7-F682026A9BC6}" type="datetimeFigureOut">
               <a:rPr lang="en-US" smtClean="0"/>
-              <a:t>5/16/21</a:t>
+              <a:t>1/2/22</a:t>
             </a:fld>
             <a:endParaRPr lang="en-US"/>
           </a:p>
@@ -415,7 +415,7 @@
           <a:p>
             <a:fld id="{3BB63FB7-4976-458F-92C7-F682026A9BC6}" type="datetimeFigureOut">
               <a:rPr lang="en-US" smtClean="0"/>
-              <a:t>5/16/21</a:t>
+              <a:t>1/2/22</a:t>
             </a:fld>
             <a:endParaRPr lang="en-US"/>
           </a:p>
@@ -593,7 +593,7 @@
           <a:p>
             <a:fld id="{3BB63FB7-4976-458F-92C7-F682026A9BC6}" type="datetimeFigureOut">
               <a:rPr lang="en-US" smtClean="0"/>
-              <a:t>5/16/21</a:t>
+              <a:t>1/2/22</a:t>
             </a:fld>
             <a:endParaRPr lang="en-US"/>
           </a:p>
@@ -761,7 +761,7 @@
           <a:p>
             <a:fld id="{3BB63FB7-4976-458F-92C7-F682026A9BC6}" type="datetimeFigureOut">
               <a:rPr lang="en-US" smtClean="0"/>
-              <a:t>5/16/21</a:t>
+              <a:t>1/2/22</a:t>
             </a:fld>
             <a:endParaRPr lang="en-US"/>
           </a:p>
@@ -1006,7 +1006,7 @@
           <a:p>
             <a:fld id="{3BB63FB7-4976-458F-92C7-F682026A9BC6}" type="datetimeFigureOut">
               <a:rPr lang="en-US" smtClean="0"/>
-              <a:t>5/16/21</a:t>
+              <a:t>1/2/22</a:t>
             </a:fld>
             <a:endParaRPr lang="en-US"/>
           </a:p>
@@ -1235,7 +1235,7 @@
           <a:p>
             <a:fld id="{3BB63FB7-4976-458F-92C7-F682026A9BC6}" type="datetimeFigureOut">
               <a:rPr lang="en-US" smtClean="0"/>
-              <a:t>5/16/21</a:t>
+              <a:t>1/2/22</a:t>
             </a:fld>
             <a:endParaRPr lang="en-US"/>
           </a:p>
@@ -1599,7 +1599,7 @@
           <a:p>
             <a:fld id="{3BB63FB7-4976-458F-92C7-F682026A9BC6}" type="datetimeFigureOut">
               <a:rPr lang="en-US" smtClean="0"/>
-              <a:t>5/16/21</a:t>
+              <a:t>1/2/22</a:t>
             </a:fld>
             <a:endParaRPr lang="en-US"/>
           </a:p>
@@ -1716,7 +1716,7 @@
           <a:p>
             <a:fld id="{3BB63FB7-4976-458F-92C7-F682026A9BC6}" type="datetimeFigureOut">
               <a:rPr lang="en-US" smtClean="0"/>
-              <a:t>5/16/21</a:t>
+              <a:t>1/2/22</a:t>
             </a:fld>
             <a:endParaRPr lang="en-US"/>
           </a:p>
@@ -1811,7 +1811,7 @@
           <a:p>
             <a:fld id="{3BB63FB7-4976-458F-92C7-F682026A9BC6}" type="datetimeFigureOut">
               <a:rPr lang="en-US" smtClean="0"/>
-              <a:t>5/16/21</a:t>
+              <a:t>1/2/22</a:t>
             </a:fld>
             <a:endParaRPr lang="en-US"/>
           </a:p>
@@ -2086,7 +2086,7 @@
           <a:p>
             <a:fld id="{3BB63FB7-4976-458F-92C7-F682026A9BC6}" type="datetimeFigureOut">
               <a:rPr lang="en-US" smtClean="0"/>
-              <a:t>5/16/21</a:t>
+              <a:t>1/2/22</a:t>
             </a:fld>
             <a:endParaRPr lang="en-US"/>
           </a:p>
@@ -2338,7 +2338,7 @@
           <a:p>
             <a:fld id="{3BB63FB7-4976-458F-92C7-F682026A9BC6}" type="datetimeFigureOut">
               <a:rPr lang="en-US" smtClean="0"/>
-              <a:t>5/16/21</a:t>
+              <a:t>1/2/22</a:t>
             </a:fld>
             <a:endParaRPr lang="en-US"/>
           </a:p>
@@ -2549,7 +2549,7 @@
           <a:p>
             <a:fld id="{3BB63FB7-4976-458F-92C7-F682026A9BC6}" type="datetimeFigureOut">
               <a:rPr lang="en-US" smtClean="0"/>
-              <a:t>5/16/21</a:t>
+              <a:t>1/2/22</a:t>
             </a:fld>
             <a:endParaRPr lang="en-US"/>
           </a:p>
@@ -4375,12 +4375,8 @@
           <a:lstStyle/>
           <a:p>
             <a:r>
-              <a:rPr lang="en-US" sz="1200" dirty="0" err="1"/>
-              <a:t>nginx</a:t>
-            </a:r>
-            <a:r>
               <a:rPr lang="en-US" sz="1200" dirty="0"/>
-              <a:t>-controller</a:t>
+              <a:t>ingress-controller</a:t>
             </a:r>
           </a:p>
         </p:txBody>
@@ -4408,12 +4404,8 @@
           <a:lstStyle/>
           <a:p>
             <a:r>
-              <a:rPr lang="en-US" sz="1200" dirty="0" err="1"/>
-              <a:t>nginx</a:t>
-            </a:r>
-            <a:r>
               <a:rPr lang="en-US" sz="1200" dirty="0"/>
-              <a:t>-controller</a:t>
+              <a:t>ingress-controller</a:t>
             </a:r>
           </a:p>
         </p:txBody>
@@ -4968,8 +4960,8 @@
         </p:nvSpPr>
         <p:spPr>
           <a:xfrm rot="20095450">
-            <a:off x="1002528" y="1813208"/>
-            <a:ext cx="1238294" cy="276999"/>
+            <a:off x="999929" y="1801523"/>
+            <a:ext cx="1293435" cy="276999"/>
           </a:xfrm>
           <a:prstGeom prst="rect">
             <a:avLst/>
@@ -4983,12 +4975,8 @@
           <a:lstStyle/>
           <a:p>
             <a:r>
-              <a:rPr lang="en-US" sz="1200" dirty="0" err="1"/>
-              <a:t>nginx</a:t>
-            </a:r>
-            <a:r>
               <a:rPr lang="en-US" sz="1200" dirty="0"/>
-              <a:t>-controller</a:t>
+              <a:t>ingress-controller</a:t>
             </a:r>
           </a:p>
         </p:txBody>

--- a/day-5/Using Kubernetes Day 5.pptx
+++ b/day-5/Using Kubernetes Day 5.pptx
@@ -247,7 +247,7 @@
           <a:p>
             <a:fld id="{3BB63FB7-4976-458F-92C7-F682026A9BC6}" type="datetimeFigureOut">
               <a:rPr lang="en-US" smtClean="0"/>
-              <a:t>1/2/22</a:t>
+              <a:t>3/3/22</a:t>
             </a:fld>
             <a:endParaRPr lang="en-US"/>
           </a:p>
@@ -415,7 +415,7 @@
           <a:p>
             <a:fld id="{3BB63FB7-4976-458F-92C7-F682026A9BC6}" type="datetimeFigureOut">
               <a:rPr lang="en-US" smtClean="0"/>
-              <a:t>1/2/22</a:t>
+              <a:t>3/3/22</a:t>
             </a:fld>
             <a:endParaRPr lang="en-US"/>
           </a:p>
@@ -593,7 +593,7 @@
           <a:p>
             <a:fld id="{3BB63FB7-4976-458F-92C7-F682026A9BC6}" type="datetimeFigureOut">
               <a:rPr lang="en-US" smtClean="0"/>
-              <a:t>1/2/22</a:t>
+              <a:t>3/3/22</a:t>
             </a:fld>
             <a:endParaRPr lang="en-US"/>
           </a:p>
@@ -761,7 +761,7 @@
           <a:p>
             <a:fld id="{3BB63FB7-4976-458F-92C7-F682026A9BC6}" type="datetimeFigureOut">
               <a:rPr lang="en-US" smtClean="0"/>
-              <a:t>1/2/22</a:t>
+              <a:t>3/3/22</a:t>
             </a:fld>
             <a:endParaRPr lang="en-US"/>
           </a:p>
@@ -1006,7 +1006,7 @@
           <a:p>
             <a:fld id="{3BB63FB7-4976-458F-92C7-F682026A9BC6}" type="datetimeFigureOut">
               <a:rPr lang="en-US" smtClean="0"/>
-              <a:t>1/2/22</a:t>
+              <a:t>3/3/22</a:t>
             </a:fld>
             <a:endParaRPr lang="en-US"/>
           </a:p>
@@ -1235,7 +1235,7 @@
           <a:p>
             <a:fld id="{3BB63FB7-4976-458F-92C7-F682026A9BC6}" type="datetimeFigureOut">
               <a:rPr lang="en-US" smtClean="0"/>
-              <a:t>1/2/22</a:t>
+              <a:t>3/3/22</a:t>
             </a:fld>
             <a:endParaRPr lang="en-US"/>
           </a:p>
@@ -1599,7 +1599,7 @@
           <a:p>
             <a:fld id="{3BB63FB7-4976-458F-92C7-F682026A9BC6}" type="datetimeFigureOut">
               <a:rPr lang="en-US" smtClean="0"/>
-              <a:t>1/2/22</a:t>
+              <a:t>3/3/22</a:t>
             </a:fld>
             <a:endParaRPr lang="en-US"/>
           </a:p>
@@ -1716,7 +1716,7 @@
           <a:p>
             <a:fld id="{3BB63FB7-4976-458F-92C7-F682026A9BC6}" type="datetimeFigureOut">
               <a:rPr lang="en-US" smtClean="0"/>
-              <a:t>1/2/22</a:t>
+              <a:t>3/3/22</a:t>
             </a:fld>
             <a:endParaRPr lang="en-US"/>
           </a:p>
@@ -1811,7 +1811,7 @@
           <a:p>
             <a:fld id="{3BB63FB7-4976-458F-92C7-F682026A9BC6}" type="datetimeFigureOut">
               <a:rPr lang="en-US" smtClean="0"/>
-              <a:t>1/2/22</a:t>
+              <a:t>3/3/22</a:t>
             </a:fld>
             <a:endParaRPr lang="en-US"/>
           </a:p>
@@ -2086,7 +2086,7 @@
           <a:p>
             <a:fld id="{3BB63FB7-4976-458F-92C7-F682026A9BC6}" type="datetimeFigureOut">
               <a:rPr lang="en-US" smtClean="0"/>
-              <a:t>1/2/22</a:t>
+              <a:t>3/3/22</a:t>
             </a:fld>
             <a:endParaRPr lang="en-US"/>
           </a:p>
@@ -2338,7 +2338,7 @@
           <a:p>
             <a:fld id="{3BB63FB7-4976-458F-92C7-F682026A9BC6}" type="datetimeFigureOut">
               <a:rPr lang="en-US" smtClean="0"/>
-              <a:t>1/2/22</a:t>
+              <a:t>3/3/22</a:t>
             </a:fld>
             <a:endParaRPr lang="en-US"/>
           </a:p>
@@ -2549,7 +2549,7 @@
           <a:p>
             <a:fld id="{3BB63FB7-4976-458F-92C7-F682026A9BC6}" type="datetimeFigureOut">
               <a:rPr lang="en-US" smtClean="0"/>
-              <a:t>1/2/22</a:t>
+              <a:t>3/3/22</a:t>
             </a:fld>
             <a:endParaRPr lang="en-US"/>
           </a:p>
@@ -3245,16 +3245,6 @@
           </a:lstStyle>
           <a:p>
             <a:r>
-              <a:rPr lang="en-US" sz="4000">
-                <a:solidFill>
-                  <a:schemeClr val="accent1">
-                    <a:lumMod val="75000"/>
-                  </a:schemeClr>
-                </a:solidFill>
-              </a:rPr>
-              <a:t>Day </a:t>
-            </a:r>
-            <a:r>
               <a:rPr lang="en-US" sz="4000" dirty="0">
                 <a:solidFill>
                   <a:schemeClr val="accent1">
@@ -3262,7 +3252,7 @@
                   </a:schemeClr>
                 </a:solidFill>
               </a:rPr>
-              <a:t>6</a:t>
+              <a:t>Day 5</a:t>
             </a:r>
           </a:p>
         </p:txBody>
